--- a/OPAR/WORKSPACE/WIP Target Folders/OPARTGT060_Chemical_Weapons_Production.pptx
+++ b/OPAR/WORKSPACE/WIP Target Folders/OPARTGT060_Chemical_Weapons_Production.pptx
@@ -107,6 +107,22 @@
       </a:defRPr>
     </a:lvl9pPr>
   </p:defaultTextStyle>
+  <p:extLst>
+    <p:ext uri="{EFAFB233-063F-42B5-8137-9DF3F51BA10A}">
+      <p15:sldGuideLst xmlns:p15="http://schemas.microsoft.com/office/powerpoint/2012/main">
+        <p15:guide id="1" orient="horz" pos="1620">
+          <p15:clr>
+            <a:srgbClr val="A4A3A4"/>
+          </p15:clr>
+        </p15:guide>
+        <p15:guide id="2" pos="2880">
+          <p15:clr>
+            <a:srgbClr val="A4A3A4"/>
+          </p15:clr>
+        </p15:guide>
+      </p15:sldGuideLst>
+    </p:ext>
+  </p:extLst>
 </p:presentation>
 </file>
 
@@ -193,7 +209,7 @@
             <a:fld id="{40637A30-8EE1-4060-9976-8832FC89EE34}" type="datetimeFigureOut">
               <a:rPr lang="nb-NO" smtClean="0"/>
               <a:pPr/>
-              <a:t>28.11.2020</a:t>
+              <a:t>08.12.2020</a:t>
             </a:fld>
             <a:endParaRPr lang="nb-NO"/>
           </a:p>
@@ -259,38 +275,37 @@
           <a:p>
             <a:pPr lvl="0"/>
             <a:r>
-              <a:rPr lang="nb-NO" smtClean="0"/>
+              <a:rPr lang="nb-NO"/>
               <a:t>Klikk for å redigere tekststiler i malen</a:t>
             </a:r>
           </a:p>
           <a:p>
             <a:pPr lvl="1"/>
             <a:r>
-              <a:rPr lang="nb-NO" smtClean="0"/>
+              <a:rPr lang="nb-NO"/>
               <a:t>Andre nivå</a:t>
             </a:r>
           </a:p>
           <a:p>
             <a:pPr lvl="2"/>
             <a:r>
-              <a:rPr lang="nb-NO" smtClean="0"/>
+              <a:rPr lang="nb-NO"/>
               <a:t>Tredje nivå</a:t>
             </a:r>
           </a:p>
           <a:p>
             <a:pPr lvl="3"/>
             <a:r>
-              <a:rPr lang="nb-NO" smtClean="0"/>
+              <a:rPr lang="nb-NO"/>
               <a:t>Fjerde nivå</a:t>
             </a:r>
           </a:p>
           <a:p>
             <a:pPr lvl="4"/>
             <a:r>
-              <a:rPr lang="nb-NO" smtClean="0"/>
+              <a:rPr lang="nb-NO"/>
               <a:t>Femte nivå</a:t>
             </a:r>
-            <a:endParaRPr lang="nb-NO"/>
           </a:p>
         </p:txBody>
       </p:sp>
@@ -497,10 +512,9 @@
           <a:lstStyle/>
           <a:p>
             <a:r>
-              <a:rPr lang="nb-NO" smtClean="0"/>
+              <a:rPr lang="nb-NO"/>
               <a:t>Klikk for å redigere tittelstil</a:t>
             </a:r>
-            <a:endParaRPr lang="nb-NO"/>
           </a:p>
         </p:txBody>
       </p:sp>
@@ -616,10 +630,9 @@
           </a:lstStyle>
           <a:p>
             <a:r>
-              <a:rPr lang="nb-NO" smtClean="0"/>
+              <a:rPr lang="nb-NO"/>
               <a:t>Klikk for å redigere undertittelstil i malen</a:t>
             </a:r>
-            <a:endParaRPr lang="nb-NO"/>
           </a:p>
         </p:txBody>
       </p:sp>
@@ -759,10 +772,9 @@
           </a:lstStyle>
           <a:p>
             <a:r>
-              <a:rPr lang="nb-NO" smtClean="0"/>
+              <a:rPr lang="nb-NO"/>
               <a:t>Klikk for å redigere tittelstil</a:t>
             </a:r>
-            <a:endParaRPr lang="nb-NO"/>
           </a:p>
         </p:txBody>
       </p:sp>
@@ -886,7 +898,7 @@
           <a:p>
             <a:pPr lvl="0"/>
             <a:r>
-              <a:rPr lang="nb-NO" smtClean="0"/>
+              <a:rPr lang="nb-NO"/>
               <a:t>Klikk for å redigere tekststiler i malen</a:t>
             </a:r>
           </a:p>
@@ -1019,10 +1031,9 @@
           <a:lstStyle/>
           <a:p>
             <a:r>
-              <a:rPr lang="nb-NO" smtClean="0"/>
+              <a:rPr lang="nb-NO"/>
               <a:t>Klikk for å redigere tittelstil</a:t>
             </a:r>
-            <a:endParaRPr lang="nb-NO"/>
           </a:p>
         </p:txBody>
       </p:sp>
@@ -1043,38 +1054,37 @@
           <a:p>
             <a:pPr lvl="0"/>
             <a:r>
-              <a:rPr lang="nb-NO" smtClean="0"/>
+              <a:rPr lang="nb-NO"/>
               <a:t>Klikk for å redigere tekststiler i malen</a:t>
             </a:r>
           </a:p>
           <a:p>
             <a:pPr lvl="1"/>
             <a:r>
-              <a:rPr lang="nb-NO" smtClean="0"/>
+              <a:rPr lang="nb-NO"/>
               <a:t>Andre nivå</a:t>
             </a:r>
           </a:p>
           <a:p>
             <a:pPr lvl="2"/>
             <a:r>
-              <a:rPr lang="nb-NO" smtClean="0"/>
+              <a:rPr lang="nb-NO"/>
               <a:t>Tredje nivå</a:t>
             </a:r>
           </a:p>
           <a:p>
             <a:pPr lvl="3"/>
             <a:r>
-              <a:rPr lang="nb-NO" smtClean="0"/>
+              <a:rPr lang="nb-NO"/>
               <a:t>Fjerde nivå</a:t>
             </a:r>
           </a:p>
           <a:p>
             <a:pPr lvl="4"/>
             <a:r>
-              <a:rPr lang="nb-NO" smtClean="0"/>
+              <a:rPr lang="nb-NO"/>
               <a:t>Femte nivå</a:t>
             </a:r>
-            <a:endParaRPr lang="nb-NO"/>
           </a:p>
         </p:txBody>
       </p:sp>
@@ -1210,10 +1220,9 @@
           <a:lstStyle/>
           <a:p>
             <a:r>
-              <a:rPr lang="nb-NO" smtClean="0"/>
+              <a:rPr lang="nb-NO"/>
               <a:t>Klikk for å redigere tittelstil</a:t>
             </a:r>
-            <a:endParaRPr lang="nb-NO"/>
           </a:p>
         </p:txBody>
       </p:sp>
@@ -1239,38 +1248,37 @@
           <a:p>
             <a:pPr lvl="0"/>
             <a:r>
-              <a:rPr lang="nb-NO" smtClean="0"/>
+              <a:rPr lang="nb-NO"/>
               <a:t>Klikk for å redigere tekststiler i malen</a:t>
             </a:r>
           </a:p>
           <a:p>
             <a:pPr lvl="1"/>
             <a:r>
-              <a:rPr lang="nb-NO" smtClean="0"/>
+              <a:rPr lang="nb-NO"/>
               <a:t>Andre nivå</a:t>
             </a:r>
           </a:p>
           <a:p>
             <a:pPr lvl="2"/>
             <a:r>
-              <a:rPr lang="nb-NO" smtClean="0"/>
+              <a:rPr lang="nb-NO"/>
               <a:t>Tredje nivå</a:t>
             </a:r>
           </a:p>
           <a:p>
             <a:pPr lvl="3"/>
             <a:r>
-              <a:rPr lang="nb-NO" smtClean="0"/>
+              <a:rPr lang="nb-NO"/>
               <a:t>Fjerde nivå</a:t>
             </a:r>
           </a:p>
           <a:p>
             <a:pPr lvl="4"/>
             <a:r>
-              <a:rPr lang="nb-NO" smtClean="0"/>
+              <a:rPr lang="nb-NO"/>
               <a:t>Femte nivå</a:t>
             </a:r>
-            <a:endParaRPr lang="nb-NO"/>
           </a:p>
         </p:txBody>
       </p:sp>
@@ -1410,10 +1418,9 @@
           </a:lstStyle>
           <a:p>
             <a:r>
-              <a:rPr lang="nb-NO" dirty="0" smtClean="0"/>
+              <a:rPr lang="nb-NO" dirty="0"/>
               <a:t>Klikk for å redigere tittelstil</a:t>
             </a:r>
-            <a:endParaRPr lang="nb-NO" dirty="0"/>
           </a:p>
         </p:txBody>
       </p:sp>
@@ -1463,10 +1470,9 @@
           <a:lstStyle/>
           <a:p>
             <a:r>
-              <a:rPr lang="nb-NO" smtClean="0"/>
+              <a:rPr lang="nb-NO"/>
               <a:t>Klikk for å redigere tittelstil</a:t>
             </a:r>
-            <a:endParaRPr lang="nb-NO"/>
           </a:p>
         </p:txBody>
       </p:sp>
@@ -1492,38 +1498,37 @@
           <a:p>
             <a:pPr lvl="0"/>
             <a:r>
-              <a:rPr lang="nb-NO" smtClean="0"/>
+              <a:rPr lang="nb-NO"/>
               <a:t>Klikk for å redigere tekststiler i malen</a:t>
             </a:r>
           </a:p>
           <a:p>
             <a:pPr lvl="1"/>
             <a:r>
-              <a:rPr lang="nb-NO" smtClean="0"/>
+              <a:rPr lang="nb-NO"/>
               <a:t>Andre nivå</a:t>
             </a:r>
           </a:p>
           <a:p>
             <a:pPr lvl="2"/>
             <a:r>
-              <a:rPr lang="nb-NO" smtClean="0"/>
+              <a:rPr lang="nb-NO"/>
               <a:t>Tredje nivå</a:t>
             </a:r>
           </a:p>
           <a:p>
             <a:pPr lvl="3"/>
             <a:r>
-              <a:rPr lang="nb-NO" smtClean="0"/>
+              <a:rPr lang="nb-NO"/>
               <a:t>Fjerde nivå</a:t>
             </a:r>
           </a:p>
           <a:p>
             <a:pPr lvl="4"/>
             <a:r>
-              <a:rPr lang="nb-NO" smtClean="0"/>
+              <a:rPr lang="nb-NO"/>
               <a:t>Femte nivå</a:t>
             </a:r>
-            <a:endParaRPr lang="nb-NO"/>
           </a:p>
         </p:txBody>
       </p:sp>
@@ -1577,10 +1582,9 @@
           </a:lstStyle>
           <a:p>
             <a:r>
-              <a:rPr lang="nb-NO" smtClean="0"/>
+              <a:rPr lang="nb-NO"/>
               <a:t>Klikk for å redigere tittelstil</a:t>
             </a:r>
-            <a:endParaRPr lang="nb-NO"/>
           </a:p>
         </p:txBody>
       </p:sp>
@@ -1697,7 +1701,7 @@
           <a:p>
             <a:pPr lvl="0"/>
             <a:r>
-              <a:rPr lang="nb-NO" smtClean="0"/>
+              <a:rPr lang="nb-NO"/>
               <a:t>Klikk for å redigere tekststiler i malen</a:t>
             </a:r>
           </a:p>
@@ -1830,10 +1834,9 @@
           <a:lstStyle/>
           <a:p>
             <a:r>
-              <a:rPr lang="nb-NO" smtClean="0"/>
+              <a:rPr lang="nb-NO"/>
               <a:t>Klikk for å redigere tittelstil</a:t>
             </a:r>
-            <a:endParaRPr lang="nb-NO"/>
           </a:p>
         </p:txBody>
       </p:sp>
@@ -1887,38 +1890,37 @@
           <a:p>
             <a:pPr lvl="0"/>
             <a:r>
-              <a:rPr lang="nb-NO" smtClean="0"/>
+              <a:rPr lang="nb-NO"/>
               <a:t>Klikk for å redigere tekststiler i malen</a:t>
             </a:r>
           </a:p>
           <a:p>
             <a:pPr lvl="1"/>
             <a:r>
-              <a:rPr lang="nb-NO" smtClean="0"/>
+              <a:rPr lang="nb-NO"/>
               <a:t>Andre nivå</a:t>
             </a:r>
           </a:p>
           <a:p>
             <a:pPr lvl="2"/>
             <a:r>
-              <a:rPr lang="nb-NO" smtClean="0"/>
+              <a:rPr lang="nb-NO"/>
               <a:t>Tredje nivå</a:t>
             </a:r>
           </a:p>
           <a:p>
             <a:pPr lvl="3"/>
             <a:r>
-              <a:rPr lang="nb-NO" smtClean="0"/>
+              <a:rPr lang="nb-NO"/>
               <a:t>Fjerde nivå</a:t>
             </a:r>
           </a:p>
           <a:p>
             <a:pPr lvl="4"/>
             <a:r>
-              <a:rPr lang="nb-NO" smtClean="0"/>
+              <a:rPr lang="nb-NO"/>
               <a:t>Femte nivå</a:t>
             </a:r>
-            <a:endParaRPr lang="nb-NO"/>
           </a:p>
         </p:txBody>
       </p:sp>
@@ -1972,38 +1974,37 @@
           <a:p>
             <a:pPr lvl="0"/>
             <a:r>
-              <a:rPr lang="nb-NO" smtClean="0"/>
+              <a:rPr lang="nb-NO"/>
               <a:t>Klikk for å redigere tekststiler i malen</a:t>
             </a:r>
           </a:p>
           <a:p>
             <a:pPr lvl="1"/>
             <a:r>
-              <a:rPr lang="nb-NO" smtClean="0"/>
+              <a:rPr lang="nb-NO"/>
               <a:t>Andre nivå</a:t>
             </a:r>
           </a:p>
           <a:p>
             <a:pPr lvl="2"/>
             <a:r>
-              <a:rPr lang="nb-NO" smtClean="0"/>
+              <a:rPr lang="nb-NO"/>
               <a:t>Tredje nivå</a:t>
             </a:r>
           </a:p>
           <a:p>
             <a:pPr lvl="3"/>
             <a:r>
-              <a:rPr lang="nb-NO" smtClean="0"/>
+              <a:rPr lang="nb-NO"/>
               <a:t>Fjerde nivå</a:t>
             </a:r>
           </a:p>
           <a:p>
             <a:pPr lvl="4"/>
             <a:r>
-              <a:rPr lang="nb-NO" smtClean="0"/>
+              <a:rPr lang="nb-NO"/>
               <a:t>Femte nivå</a:t>
             </a:r>
-            <a:endParaRPr lang="nb-NO"/>
           </a:p>
         </p:txBody>
       </p:sp>
@@ -2138,10 +2139,9 @@
           </a:lstStyle>
           <a:p>
             <a:r>
-              <a:rPr lang="nb-NO" smtClean="0"/>
+              <a:rPr lang="nb-NO"/>
               <a:t>Klikk for å redigere tittelstil</a:t>
             </a:r>
-            <a:endParaRPr lang="nb-NO"/>
           </a:p>
         </p:txBody>
       </p:sp>
@@ -2204,7 +2204,7 @@
           <a:p>
             <a:pPr lvl="0"/>
             <a:r>
-              <a:rPr lang="nb-NO" smtClean="0"/>
+              <a:rPr lang="nb-NO"/>
               <a:t>Klikk for å redigere tekststiler i malen</a:t>
             </a:r>
           </a:p>
@@ -2260,38 +2260,37 @@
           <a:p>
             <a:pPr lvl="0"/>
             <a:r>
-              <a:rPr lang="nb-NO" smtClean="0"/>
+              <a:rPr lang="nb-NO"/>
               <a:t>Klikk for å redigere tekststiler i malen</a:t>
             </a:r>
           </a:p>
           <a:p>
             <a:pPr lvl="1"/>
             <a:r>
-              <a:rPr lang="nb-NO" smtClean="0"/>
+              <a:rPr lang="nb-NO"/>
               <a:t>Andre nivå</a:t>
             </a:r>
           </a:p>
           <a:p>
             <a:pPr lvl="2"/>
             <a:r>
-              <a:rPr lang="nb-NO" smtClean="0"/>
+              <a:rPr lang="nb-NO"/>
               <a:t>Tredje nivå</a:t>
             </a:r>
           </a:p>
           <a:p>
             <a:pPr lvl="3"/>
             <a:r>
-              <a:rPr lang="nb-NO" smtClean="0"/>
+              <a:rPr lang="nb-NO"/>
               <a:t>Fjerde nivå</a:t>
             </a:r>
           </a:p>
           <a:p>
             <a:pPr lvl="4"/>
             <a:r>
-              <a:rPr lang="nb-NO" smtClean="0"/>
+              <a:rPr lang="nb-NO"/>
               <a:t>Femte nivå</a:t>
             </a:r>
-            <a:endParaRPr lang="nb-NO"/>
           </a:p>
         </p:txBody>
       </p:sp>
@@ -2354,7 +2353,7 @@
           <a:p>
             <a:pPr lvl="0"/>
             <a:r>
-              <a:rPr lang="nb-NO" smtClean="0"/>
+              <a:rPr lang="nb-NO"/>
               <a:t>Klikk for å redigere tekststiler i malen</a:t>
             </a:r>
           </a:p>
@@ -2410,38 +2409,37 @@
           <a:p>
             <a:pPr lvl="0"/>
             <a:r>
-              <a:rPr lang="nb-NO" smtClean="0"/>
+              <a:rPr lang="nb-NO"/>
               <a:t>Klikk for å redigere tekststiler i malen</a:t>
             </a:r>
           </a:p>
           <a:p>
             <a:pPr lvl="1"/>
             <a:r>
-              <a:rPr lang="nb-NO" smtClean="0"/>
+              <a:rPr lang="nb-NO"/>
               <a:t>Andre nivå</a:t>
             </a:r>
           </a:p>
           <a:p>
             <a:pPr lvl="2"/>
             <a:r>
-              <a:rPr lang="nb-NO" smtClean="0"/>
+              <a:rPr lang="nb-NO"/>
               <a:t>Tredje nivå</a:t>
             </a:r>
           </a:p>
           <a:p>
             <a:pPr lvl="3"/>
             <a:r>
-              <a:rPr lang="nb-NO" smtClean="0"/>
+              <a:rPr lang="nb-NO"/>
               <a:t>Fjerde nivå</a:t>
             </a:r>
           </a:p>
           <a:p>
             <a:pPr lvl="4"/>
             <a:r>
-              <a:rPr lang="nb-NO" smtClean="0"/>
+              <a:rPr lang="nb-NO"/>
               <a:t>Femte nivå</a:t>
             </a:r>
-            <a:endParaRPr lang="nb-NO"/>
           </a:p>
         </p:txBody>
       </p:sp>
@@ -2586,10 +2584,9 @@
           <a:lstStyle/>
           <a:p>
             <a:r>
-              <a:rPr lang="nb-NO" smtClean="0"/>
+              <a:rPr lang="nb-NO"/>
               <a:t>Klikk for å redigere tittelstil</a:t>
             </a:r>
-            <a:endParaRPr lang="nb-NO"/>
           </a:p>
         </p:txBody>
       </p:sp>
@@ -2844,10 +2841,9 @@
           </a:lstStyle>
           <a:p>
             <a:r>
-              <a:rPr lang="nb-NO" smtClean="0"/>
+              <a:rPr lang="nb-NO"/>
               <a:t>Klikk for å redigere tittelstil</a:t>
             </a:r>
-            <a:endParaRPr lang="nb-NO"/>
           </a:p>
         </p:txBody>
       </p:sp>
@@ -2901,38 +2897,37 @@
           <a:p>
             <a:pPr lvl="0"/>
             <a:r>
-              <a:rPr lang="nb-NO" smtClean="0"/>
+              <a:rPr lang="nb-NO"/>
               <a:t>Klikk for å redigere tekststiler i malen</a:t>
             </a:r>
           </a:p>
           <a:p>
             <a:pPr lvl="1"/>
             <a:r>
-              <a:rPr lang="nb-NO" smtClean="0"/>
+              <a:rPr lang="nb-NO"/>
               <a:t>Andre nivå</a:t>
             </a:r>
           </a:p>
           <a:p>
             <a:pPr lvl="2"/>
             <a:r>
-              <a:rPr lang="nb-NO" smtClean="0"/>
+              <a:rPr lang="nb-NO"/>
               <a:t>Tredje nivå</a:t>
             </a:r>
           </a:p>
           <a:p>
             <a:pPr lvl="3"/>
             <a:r>
-              <a:rPr lang="nb-NO" smtClean="0"/>
+              <a:rPr lang="nb-NO"/>
               <a:t>Fjerde nivå</a:t>
             </a:r>
           </a:p>
           <a:p>
             <a:pPr lvl="4"/>
             <a:r>
-              <a:rPr lang="nb-NO" smtClean="0"/>
+              <a:rPr lang="nb-NO"/>
               <a:t>Femte nivå</a:t>
             </a:r>
-            <a:endParaRPr lang="nb-NO"/>
           </a:p>
         </p:txBody>
       </p:sp>
@@ -2995,7 +2990,7 @@
           <a:p>
             <a:pPr lvl="0"/>
             <a:r>
-              <a:rPr lang="nb-NO" smtClean="0"/>
+              <a:rPr lang="nb-NO"/>
               <a:t>Klikk for å redigere tekststiler i malen</a:t>
             </a:r>
           </a:p>
@@ -3148,10 +3143,9 @@
           <a:lstStyle/>
           <a:p>
             <a:r>
-              <a:rPr lang="nb-NO" dirty="0" smtClean="0"/>
+              <a:rPr lang="nb-NO" dirty="0"/>
               <a:t>Klikk for å redigere tittelstil</a:t>
             </a:r>
-            <a:endParaRPr lang="nb-NO" dirty="0"/>
           </a:p>
         </p:txBody>
       </p:sp>
@@ -3182,38 +3176,37 @@
           <a:p>
             <a:pPr lvl="0"/>
             <a:r>
-              <a:rPr lang="nb-NO" dirty="0" smtClean="0"/>
+              <a:rPr lang="nb-NO" dirty="0"/>
               <a:t>Klikk for å redigere tekststiler i malen</a:t>
             </a:r>
           </a:p>
           <a:p>
             <a:pPr lvl="1"/>
             <a:r>
-              <a:rPr lang="nb-NO" dirty="0" smtClean="0"/>
+              <a:rPr lang="nb-NO" dirty="0"/>
               <a:t>Andre nivå</a:t>
             </a:r>
           </a:p>
           <a:p>
             <a:pPr lvl="2"/>
             <a:r>
-              <a:rPr lang="nb-NO" dirty="0" smtClean="0"/>
+              <a:rPr lang="nb-NO" dirty="0"/>
               <a:t>Tredje nivå</a:t>
             </a:r>
           </a:p>
           <a:p>
             <a:pPr lvl="3"/>
             <a:r>
-              <a:rPr lang="nb-NO" dirty="0" smtClean="0"/>
+              <a:rPr lang="nb-NO" dirty="0"/>
               <a:t>Fjerde nivå</a:t>
             </a:r>
           </a:p>
           <a:p>
             <a:pPr lvl="4"/>
             <a:r>
-              <a:rPr lang="nb-NO" dirty="0" smtClean="0"/>
+              <a:rPr lang="nb-NO" dirty="0"/>
               <a:t>Femte nivå</a:t>
             </a:r>
-            <a:endParaRPr lang="nb-NO" dirty="0"/>
           </a:p>
         </p:txBody>
       </p:sp>
@@ -3366,7 +3359,7 @@
           <a:lstStyle/>
           <a:p>
             <a:r>
-              <a:rPr lang="nb-NO" sz="1000" b="0" dirty="0" err="1" smtClean="0">
+              <a:rPr lang="nb-NO" sz="1000" b="0" dirty="0" err="1">
                 <a:solidFill>
                   <a:schemeClr val="tx1"/>
                 </a:solidFill>
@@ -3376,7 +3369,7 @@
               <a:t>Virtual</a:t>
             </a:r>
             <a:r>
-              <a:rPr lang="nb-NO" sz="1000" b="0" dirty="0" smtClean="0">
+              <a:rPr lang="nb-NO" sz="1000" b="0" dirty="0">
                 <a:solidFill>
                   <a:schemeClr val="tx1"/>
                 </a:solidFill>
@@ -3386,7 +3379,7 @@
               <a:t> </a:t>
             </a:r>
             <a:r>
-              <a:rPr lang="nb-NO" sz="1000" b="0" dirty="0" err="1" smtClean="0">
+              <a:rPr lang="nb-NO" sz="1000" b="0" dirty="0" err="1">
                 <a:solidFill>
                   <a:schemeClr val="tx1"/>
                 </a:solidFill>
@@ -3396,7 +3389,7 @@
               <a:t>Intelligence</a:t>
             </a:r>
             <a:r>
-              <a:rPr lang="nb-NO" sz="1000" b="0" dirty="0" smtClean="0">
+              <a:rPr lang="nb-NO" sz="1000" b="0" dirty="0">
                 <a:solidFill>
                   <a:schemeClr val="tx1"/>
                 </a:solidFill>
@@ -3405,13 +3398,6 @@
               </a:rPr>
               <a:t> Service</a:t>
             </a:r>
-            <a:endParaRPr lang="nb-NO" sz="1000" b="0" dirty="0">
-              <a:solidFill>
-                <a:schemeClr val="tx1"/>
-              </a:solidFill>
-              <a:latin typeface="Arial Black" pitchFamily="34" charset="0"/>
-              <a:cs typeface="Arial" pitchFamily="34" charset="0"/>
-            </a:endParaRPr>
           </a:p>
         </p:txBody>
       </p:sp>
@@ -3439,7 +3425,7 @@
           <a:p>
             <a:pPr algn="ctr"/>
             <a:r>
-              <a:rPr lang="nb-NO" sz="700" b="1" dirty="0" smtClean="0">
+              <a:rPr lang="nb-NO" sz="700" b="1" dirty="0">
                 <a:solidFill>
                   <a:schemeClr val="bg1"/>
                 </a:solidFill>
@@ -3448,7 +3434,7 @@
               <a:t>Victoria</a:t>
             </a:r>
             <a:r>
-              <a:rPr lang="nb-NO" sz="700" b="1" baseline="0" dirty="0" smtClean="0">
+              <a:rPr lang="nb-NO" sz="700" b="1" baseline="0" dirty="0">
                 <a:solidFill>
                   <a:schemeClr val="bg1"/>
                 </a:solidFill>
@@ -3457,7 +3443,7 @@
               <a:t> Per </a:t>
             </a:r>
             <a:r>
-              <a:rPr lang="nb-NO" sz="700" b="1" baseline="0" dirty="0" err="1" smtClean="0">
+              <a:rPr lang="nb-NO" sz="700" b="1" baseline="0" dirty="0" err="1">
                 <a:solidFill>
                   <a:schemeClr val="bg1"/>
                 </a:solidFill>
@@ -3887,11 +3873,11 @@
           <a:lstStyle/>
           <a:p>
             <a:r>
-              <a:rPr lang="en-US" dirty="0" smtClean="0"/>
+              <a:rPr lang="en-US" dirty="0"/>
               <a:t>OPARTGT0</a:t>
             </a:r>
             <a:r>
-              <a:rPr lang="en-GB" dirty="0" smtClean="0"/>
+              <a:rPr lang="en-GB" dirty="0"/>
               <a:t>60 Chemical Weapons Production Facility</a:t>
             </a:r>
             <a:endParaRPr lang="en-US" dirty="0"/>
@@ -3941,10 +3927,9 @@
           <a:p>
             <a:pPr algn="ctr"/>
             <a:r>
-              <a:rPr lang="nb-NO" dirty="0" smtClean="0"/>
+              <a:rPr lang="nb-NO" dirty="0"/>
               <a:t>N</a:t>
             </a:r>
-            <a:endParaRPr lang="nb-NO" dirty="0"/>
           </a:p>
         </p:txBody>
       </p:sp>
@@ -4018,7 +4003,7 @@
           <a:p>
             <a:pPr algn="ctr"/>
             <a:r>
-              <a:rPr lang="en-GB" sz="1400" dirty="0" smtClean="0">
+              <a:rPr lang="en-GB" sz="1400" dirty="0">
                 <a:solidFill>
                   <a:srgbClr val="FF0000"/>
                 </a:solidFill>
@@ -4073,7 +4058,7 @@
             <a:p>
               <a:pPr algn="ctr"/>
               <a:r>
-                <a:rPr lang="en-US" sz="1000" dirty="0" smtClean="0">
+                <a:rPr lang="en-US" sz="1000" dirty="0">
                   <a:solidFill>
                     <a:srgbClr val="FF0000"/>
                   </a:solidFill>
@@ -4081,12 +4066,6 @@
                 </a:rPr>
                 <a:t>4</a:t>
               </a:r>
-              <a:endParaRPr lang="en-US" sz="1000" dirty="0">
-                <a:solidFill>
-                  <a:srgbClr val="FF0000"/>
-                </a:solidFill>
-                <a:latin typeface="Arial Black" pitchFamily="34" charset="0"/>
-              </a:endParaRPr>
             </a:p>
           </p:txBody>
         </p:sp>
@@ -4175,7 +4154,7 @@
             <a:p>
               <a:pPr algn="ctr"/>
               <a:r>
-                <a:rPr lang="en-US" sz="1000" dirty="0" smtClean="0">
+                <a:rPr lang="en-US" sz="1000" dirty="0">
                   <a:solidFill>
                     <a:srgbClr val="FF0000"/>
                   </a:solidFill>
@@ -4183,12 +4162,6 @@
                 </a:rPr>
                 <a:t>5</a:t>
               </a:r>
-              <a:endParaRPr lang="en-US" sz="1000" dirty="0">
-                <a:solidFill>
-                  <a:srgbClr val="FF0000"/>
-                </a:solidFill>
-                <a:latin typeface="Arial Black" pitchFamily="34" charset="0"/>
-              </a:endParaRPr>
             </a:p>
           </p:txBody>
         </p:sp>
@@ -4277,7 +4250,7 @@
             <a:p>
               <a:pPr algn="ctr"/>
               <a:r>
-                <a:rPr lang="en-US" sz="1000" dirty="0" smtClean="0">
+                <a:rPr lang="en-US" sz="1000" dirty="0">
                   <a:solidFill>
                     <a:srgbClr val="FF0000"/>
                   </a:solidFill>
@@ -4285,12 +4258,6 @@
                 </a:rPr>
                 <a:t>6</a:t>
               </a:r>
-              <a:endParaRPr lang="en-US" sz="1000" dirty="0">
-                <a:solidFill>
-                  <a:srgbClr val="FF0000"/>
-                </a:solidFill>
-                <a:latin typeface="Arial Black" pitchFamily="34" charset="0"/>
-              </a:endParaRPr>
             </a:p>
           </p:txBody>
         </p:sp>
@@ -4379,7 +4346,7 @@
             <a:p>
               <a:pPr algn="ctr"/>
               <a:r>
-                <a:rPr lang="en-US" sz="1000" dirty="0" smtClean="0">
+                <a:rPr lang="en-US" sz="1000" dirty="0">
                   <a:solidFill>
                     <a:srgbClr val="FF0000"/>
                   </a:solidFill>
@@ -4387,12 +4354,6 @@
                 </a:rPr>
                 <a:t>7</a:t>
               </a:r>
-              <a:endParaRPr lang="en-US" sz="1000" dirty="0">
-                <a:solidFill>
-                  <a:srgbClr val="FF0000"/>
-                </a:solidFill>
-                <a:latin typeface="Arial Black" pitchFamily="34" charset="0"/>
-              </a:endParaRPr>
             </a:p>
           </p:txBody>
         </p:sp>
@@ -4481,7 +4442,7 @@
             <a:p>
               <a:pPr algn="ctr"/>
               <a:r>
-                <a:rPr lang="en-US" sz="1000" dirty="0" smtClean="0">
+                <a:rPr lang="en-US" sz="1000" dirty="0">
                   <a:solidFill>
                     <a:srgbClr val="FF0000"/>
                   </a:solidFill>
@@ -4489,12 +4450,6 @@
                 </a:rPr>
                 <a:t>8</a:t>
               </a:r>
-              <a:endParaRPr lang="en-US" sz="1000" dirty="0">
-                <a:solidFill>
-                  <a:srgbClr val="FF0000"/>
-                </a:solidFill>
-                <a:latin typeface="Arial Black" pitchFamily="34" charset="0"/>
-              </a:endParaRPr>
             </a:p>
           </p:txBody>
         </p:sp>
@@ -4569,7 +4524,7 @@
           <a:p>
             <a:pPr algn="ctr"/>
             <a:r>
-              <a:rPr lang="en-US" sz="1000" dirty="0" smtClean="0">
+              <a:rPr lang="en-US" sz="1000" dirty="0">
                 <a:solidFill>
                   <a:srgbClr val="FF0000"/>
                 </a:solidFill>
@@ -4578,7 +4533,7 @@
               <a:t>1</a:t>
             </a:r>
             <a:r>
-              <a:rPr lang="pl-PL" sz="1000" dirty="0" smtClean="0">
+              <a:rPr lang="pl-PL" sz="1000" dirty="0">
                 <a:solidFill>
                   <a:srgbClr val="FF0000"/>
                 </a:solidFill>
@@ -4587,7 +4542,7 @@
               <a:t>-</a:t>
             </a:r>
             <a:r>
-              <a:rPr lang="en-GB" sz="1000" dirty="0" smtClean="0">
+              <a:rPr lang="en-GB" sz="1000" dirty="0">
                 <a:solidFill>
                   <a:srgbClr val="FF0000"/>
                 </a:solidFill>
@@ -4674,7 +4629,7 @@
           <a:p>
             <a:pPr algn="ctr"/>
             <a:r>
-              <a:rPr lang="en-GB" sz="1000" dirty="0" smtClean="0">
+              <a:rPr lang="en-GB" sz="1000" dirty="0">
                 <a:solidFill>
                   <a:srgbClr val="FF0000"/>
                 </a:solidFill>
@@ -4775,7 +4730,7 @@
           <a:p>
             <a:pPr algn="ctr"/>
             <a:r>
-              <a:rPr lang="en-GB" sz="1000" dirty="0" smtClean="0">
+              <a:rPr lang="en-GB" sz="1000" dirty="0">
                 <a:solidFill>
                   <a:sysClr val="windowText" lastClr="000000"/>
                 </a:solidFill>
@@ -4872,7 +4827,7 @@
           <a:p>
             <a:pPr algn="ctr"/>
             <a:r>
-              <a:rPr lang="en-GB" sz="1200" dirty="0" smtClean="0">
+              <a:rPr lang="en-GB" sz="1200" dirty="0">
                 <a:solidFill>
                   <a:sysClr val="windowText" lastClr="000000"/>
                 </a:solidFill>
@@ -5187,7 +5142,7 @@
           <a:p>
             <a:pPr algn="ctr"/>
             <a:r>
-              <a:rPr lang="pl-PL" sz="1000" dirty="0" smtClean="0">
+              <a:rPr lang="pl-PL" sz="1000" dirty="0">
                 <a:solidFill>
                   <a:srgbClr val="FF0000"/>
                 </a:solidFill>
@@ -5235,105 +5190,117 @@
           </a:bodyPr>
           <a:lstStyle/>
           <a:p>
-            <a:endParaRPr lang="en-US" sz="1000" dirty="0" smtClean="0"/>
-          </a:p>
-          <a:p>
-            <a:r>
-              <a:rPr lang="en-US" sz="1000" dirty="0" smtClean="0"/>
+            <a:endParaRPr lang="en-US" sz="1000" dirty="0"/>
+          </a:p>
+          <a:p>
+            <a:r>
+              <a:rPr lang="en-US" sz="1000" dirty="0"/>
               <a:t>OPARTGT0</a:t>
             </a:r>
             <a:r>
-              <a:rPr lang="en-GB" sz="1000" dirty="0" smtClean="0"/>
-              <a:t>60A</a:t>
-            </a:r>
-            <a:r>
-              <a:rPr lang="pl-PL" sz="1000" dirty="0" smtClean="0"/>
+              <a:rPr lang="en-GB" sz="1000" dirty="0"/>
+              <a:t>60</a:t>
+            </a:r>
+            <a:r>
+              <a:rPr lang="en-GB" sz="1000" b="1" dirty="0"/>
+              <a:t>A</a:t>
+            </a:r>
+            <a:r>
+              <a:rPr lang="pl-PL" sz="1000" dirty="0"/>
               <a:t> – </a:t>
             </a:r>
             <a:r>
-              <a:rPr lang="en-GB" sz="1000" dirty="0" smtClean="0"/>
+              <a:rPr lang="en-GB" sz="1000" dirty="0"/>
               <a:t>3 to 5</a:t>
             </a:r>
             <a:r>
-              <a:rPr lang="pl-PL" sz="1000" dirty="0" smtClean="0"/>
+              <a:rPr lang="pl-PL" sz="1000" dirty="0"/>
               <a:t> storey buildings made of concrete slab supported by reinforced concrete base and </a:t>
             </a:r>
             <a:r>
-              <a:rPr lang="en-GB" sz="1000" dirty="0" smtClean="0"/>
+              <a:rPr lang="en-GB" sz="1000" dirty="0"/>
               <a:t>	</a:t>
             </a:r>
             <a:r>
-              <a:rPr lang="pl-PL" sz="1000" dirty="0" smtClean="0"/>
-              <a:t>pillars, flat poured roof, requires delayed fuzing.</a:t>
-            </a:r>
-          </a:p>
-          <a:p>
-            <a:r>
-              <a:rPr lang="en-GB" sz="1000" dirty="0" smtClean="0"/>
+              <a:rPr lang="pl-PL" sz="1000" dirty="0"/>
+              <a:t>pillars, flat poured roof, </a:t>
+            </a:r>
+            <a:r>
+              <a:rPr lang="nb-NO" sz="1000" dirty="0" err="1"/>
+              <a:t>contact</a:t>
+            </a:r>
+            <a:r>
+              <a:rPr lang="nb-NO" sz="1000" dirty="0"/>
+              <a:t> </a:t>
+            </a:r>
+            <a:r>
+              <a:rPr lang="nb-NO" sz="1000" dirty="0" err="1"/>
+              <a:t>fuzing</a:t>
+            </a:r>
+            <a:r>
+              <a:rPr lang="pl-PL" sz="1000" dirty="0"/>
+              <a:t>.</a:t>
+            </a:r>
+          </a:p>
+          <a:p>
+            <a:r>
+              <a:rPr lang="en-GB" sz="1000" dirty="0"/>
               <a:t>	</a:t>
             </a:r>
-            <a:r>
-              <a:rPr lang="pl-PL" sz="1000" dirty="0" smtClean="0"/>
-              <a:t>Suggested fuzing solution on DPIs 1-4 – contact to open up the roof followed by delayed </a:t>
-            </a:r>
-            <a:r>
-              <a:rPr lang="en-GB" sz="1000" dirty="0" smtClean="0"/>
+            <a:endParaRPr lang="en-GB" sz="1200" dirty="0"/>
+          </a:p>
+          <a:p>
+            <a:endParaRPr lang="en-GB" sz="1200" dirty="0"/>
+          </a:p>
+          <a:p>
+            <a:r>
+              <a:rPr lang="en-US" sz="1000" dirty="0"/>
+              <a:t>OPARTGT0</a:t>
+            </a:r>
+            <a:r>
+              <a:rPr lang="en-GB" sz="1000" dirty="0"/>
+              <a:t>60</a:t>
+            </a:r>
+            <a:r>
+              <a:rPr lang="en-GB" sz="1000" b="1" dirty="0"/>
+              <a:t>B</a:t>
+            </a:r>
+            <a:r>
+              <a:rPr lang="en-GB" sz="1000" dirty="0"/>
+              <a:t> </a:t>
+            </a:r>
+            <a:r>
+              <a:rPr lang="pl-PL" sz="1000" dirty="0"/>
+              <a:t>– </a:t>
+            </a:r>
+            <a:r>
+              <a:rPr lang="en-GB" sz="1000" dirty="0"/>
+              <a:t>	W</a:t>
+            </a:r>
+            <a:r>
+              <a:rPr lang="pl-PL" sz="1000" dirty="0"/>
+              <a:t>alls made of slabs, poured roof supported by metal frame and reinforced concrete </a:t>
+            </a:r>
+            <a:r>
+              <a:rPr lang="en-GB" sz="1000" dirty="0"/>
               <a:t>	</a:t>
             </a:r>
             <a:r>
-              <a:rPr lang="pl-PL" sz="1000" dirty="0" smtClean="0"/>
-              <a:t>to pierce through floors and affect building structure.</a:t>
-            </a:r>
-            <a:r>
-              <a:rPr lang="pl-PL" sz="1200" dirty="0" smtClean="0"/>
-              <a:t> </a:t>
-            </a:r>
-            <a:endParaRPr lang="en-GB" sz="1200" dirty="0" smtClean="0"/>
-          </a:p>
-          <a:p>
-            <a:endParaRPr lang="en-GB" sz="1200" dirty="0" smtClean="0"/>
-          </a:p>
-          <a:p>
-            <a:r>
-              <a:rPr lang="en-US" sz="1000" dirty="0" smtClean="0"/>
-              <a:t>OPARTGT0</a:t>
-            </a:r>
-            <a:r>
-              <a:rPr lang="en-GB" sz="1000" dirty="0" smtClean="0"/>
-              <a:t>60B </a:t>
-            </a:r>
-            <a:r>
-              <a:rPr lang="pl-PL" sz="1000" dirty="0" smtClean="0"/>
-              <a:t>– </a:t>
-            </a:r>
-            <a:r>
-              <a:rPr lang="en-GB" sz="1000" dirty="0" smtClean="0"/>
-              <a:t>	W</a:t>
-            </a:r>
-            <a:r>
-              <a:rPr lang="pl-PL" sz="1000" dirty="0" smtClean="0"/>
-              <a:t>alls made of slabs, poured roof supported by metal frame and reinforced concrete </a:t>
-            </a:r>
-            <a:r>
-              <a:rPr lang="en-GB" sz="1000" dirty="0" smtClean="0"/>
-              <a:t>	</a:t>
-            </a:r>
-            <a:r>
-              <a:rPr lang="pl-PL" sz="1000" dirty="0" smtClean="0"/>
+              <a:rPr lang="pl-PL" sz="1000" dirty="0"/>
               <a:t>pillars. Requires delayed fuzing.</a:t>
             </a:r>
           </a:p>
           <a:p>
             <a:pPr algn="ctr"/>
-            <a:endParaRPr lang="en-GB" sz="1200" dirty="0" smtClean="0"/>
+            <a:endParaRPr lang="en-GB" sz="1200" dirty="0"/>
           </a:p>
           <a:p>
             <a:pPr algn="ctr"/>
-            <a:endParaRPr lang="en-GB" sz="1200" dirty="0" smtClean="0"/>
+            <a:endParaRPr lang="en-GB" sz="1200" dirty="0"/>
           </a:p>
           <a:p>
             <a:pPr algn="ctr"/>
-            <a:endParaRPr lang="pl-PL" sz="1200" dirty="0" smtClean="0"/>
+            <a:endParaRPr lang="pl-PL" sz="1200" dirty="0"/>
           </a:p>
         </p:txBody>
       </p:sp>
@@ -5369,193 +5336,201 @@
           <a:lstStyle/>
           <a:p>
             <a:r>
-              <a:rPr lang="nb-NO" sz="1200" dirty="0" smtClean="0"/>
+              <a:rPr lang="nb-NO" sz="1200" dirty="0"/>
               <a:t>DESCRIPTION OF THE DESIRED POINTS OF IMPACT WITH WPN TYPE: </a:t>
             </a:r>
           </a:p>
           <a:p>
-            <a:endParaRPr lang="pl-PL" sz="1200" dirty="0" smtClean="0"/>
+            <a:endParaRPr lang="pl-PL" sz="1200" dirty="0"/>
           </a:p>
           <a:p>
             <a:pPr algn="ctr"/>
             <a:r>
-              <a:rPr lang="en-US" sz="1100" dirty="0" smtClean="0"/>
+              <a:rPr lang="en-US" sz="1100" dirty="0"/>
               <a:t>OPARTGT0</a:t>
             </a:r>
             <a:r>
-              <a:rPr lang="en-GB" sz="1100" dirty="0" smtClean="0"/>
+              <a:rPr lang="en-GB" sz="1100" dirty="0"/>
               <a:t>60</a:t>
             </a:r>
             <a:r>
-              <a:rPr lang="pl-PL" sz="1100" b="1" dirty="0" smtClean="0"/>
+              <a:rPr lang="pl-PL" sz="1100" b="1" dirty="0"/>
               <a:t>A </a:t>
             </a:r>
             <a:r>
-              <a:rPr lang="pl-PL" sz="1200" dirty="0" smtClean="0"/>
+              <a:rPr lang="pl-PL" sz="1200" dirty="0"/>
               <a:t>– </a:t>
             </a:r>
             <a:r>
-              <a:rPr lang="en-GB" sz="1200" dirty="0" smtClean="0"/>
+              <a:rPr lang="en-GB" sz="1200" dirty="0"/>
               <a:t>Weapon </a:t>
             </a:r>
             <a:r>
-              <a:rPr lang="pl-PL" sz="1200" dirty="0" smtClean="0"/>
+              <a:rPr lang="pl-PL" sz="1200" dirty="0"/>
               <a:t>Production Hall</a:t>
             </a:r>
           </a:p>
           <a:p>
             <a:r>
-              <a:rPr lang="pl-PL" sz="1100" dirty="0" smtClean="0"/>
+              <a:rPr lang="pl-PL" sz="1100" dirty="0"/>
               <a:t>DPI 1 </a:t>
             </a:r>
             <a:r>
-              <a:rPr lang="en-GB" sz="1100" dirty="0" smtClean="0"/>
+              <a:rPr lang="en-GB" sz="1100" dirty="0"/>
               <a:t>N35 34.102 </a:t>
             </a:r>
             <a:r>
-              <a:rPr lang="pl-PL" sz="1100" dirty="0" smtClean="0"/>
+              <a:rPr lang="pl-PL" sz="1100" dirty="0"/>
               <a:t>E 03</a:t>
             </a:r>
             <a:r>
-              <a:rPr lang="en-GB" sz="1100" dirty="0" smtClean="0"/>
+              <a:rPr lang="en-GB" sz="1100" dirty="0"/>
               <a:t>8 25.828</a:t>
             </a:r>
             <a:r>
-              <a:rPr lang="pl-PL" sz="1100" dirty="0" smtClean="0"/>
+              <a:rPr lang="pl-PL" sz="1100" dirty="0"/>
               <a:t>/</a:t>
             </a:r>
             <a:r>
-              <a:rPr lang="en-GB" sz="1100" dirty="0" smtClean="0"/>
+              <a:rPr lang="en-GB" sz="1100" dirty="0"/>
               <a:t>1191ft</a:t>
             </a:r>
             <a:r>
-              <a:rPr lang="pl-PL" sz="1100" dirty="0" smtClean="0"/>
+              <a:rPr lang="pl-PL" sz="1100" dirty="0"/>
               <a:t>/</a:t>
             </a:r>
             <a:r>
-              <a:rPr lang="nb-NO" sz="1100" dirty="0" smtClean="0"/>
+              <a:rPr lang="nb-NO" sz="1100" dirty="0"/>
               <a:t>(2000 Ibs bomb)</a:t>
             </a:r>
-            <a:endParaRPr lang="pl-PL" sz="1100" dirty="0" smtClean="0"/>
-          </a:p>
-          <a:p>
-            <a:r>
-              <a:rPr lang="pl-PL" sz="1100" dirty="0" smtClean="0"/>
+            <a:endParaRPr lang="pl-PL" sz="1100" dirty="0"/>
+          </a:p>
+          <a:p>
+            <a:r>
+              <a:rPr lang="pl-PL" sz="1100" dirty="0"/>
               <a:t>DPI 2 N</a:t>
             </a:r>
             <a:r>
-              <a:rPr lang="en-GB" sz="1100" dirty="0" smtClean="0"/>
+              <a:rPr lang="en-GB" sz="1100" dirty="0"/>
               <a:t>35 34.084 E 038 25.818/1178ft</a:t>
             </a:r>
             <a:r>
-              <a:rPr lang="pl-PL" sz="1100" dirty="0" smtClean="0"/>
+              <a:rPr lang="pl-PL" sz="1100" dirty="0"/>
               <a:t>/</a:t>
             </a:r>
             <a:r>
-              <a:rPr lang="nb-NO" sz="1100" dirty="0" smtClean="0"/>
+              <a:rPr lang="nb-NO" sz="1100" dirty="0"/>
               <a:t>(2000 Ibs bomb)</a:t>
             </a:r>
           </a:p>
           <a:p>
             <a:r>
-              <a:rPr lang="nb-NO" sz="1100" dirty="0" smtClean="0"/>
+              <a:rPr lang="nb-NO" sz="1100" dirty="0"/>
               <a:t>DPI 3 N35 34.088 E038  25.789/1184ft/(2000 lbs bomb)</a:t>
             </a:r>
           </a:p>
           <a:p>
             <a:r>
-              <a:rPr lang="nb-NO" sz="1100" dirty="0" smtClean="0"/>
+              <a:rPr lang="nb-NO" sz="1100" dirty="0"/>
               <a:t>DPI 4 N35 34.110 E038  25.787/1194ft/(2000 lbs bomb)</a:t>
             </a:r>
           </a:p>
           <a:p>
-            <a:endParaRPr lang="pl-PL" sz="1100" dirty="0" smtClean="0"/>
+            <a:endParaRPr lang="pl-PL" sz="1100" dirty="0"/>
           </a:p>
           <a:p>
             <a:pPr algn="ctr"/>
             <a:r>
-              <a:rPr lang="en-US" sz="1100" dirty="0" smtClean="0"/>
+              <a:rPr lang="en-US" sz="1100" dirty="0"/>
               <a:t>OPARTGT0</a:t>
             </a:r>
             <a:r>
-              <a:rPr lang="en-GB" sz="1100" dirty="0" smtClean="0"/>
+              <a:rPr lang="en-GB" sz="1100" dirty="0"/>
               <a:t>60</a:t>
             </a:r>
             <a:r>
-              <a:rPr lang="pl-PL" sz="1100" b="1" dirty="0" smtClean="0"/>
+              <a:rPr lang="pl-PL" sz="1100" b="1" dirty="0"/>
               <a:t>B </a:t>
             </a:r>
             <a:r>
-              <a:rPr lang="pl-PL" sz="1100" dirty="0" smtClean="0"/>
+              <a:rPr lang="pl-PL" sz="1100" dirty="0"/>
               <a:t>– </a:t>
             </a:r>
             <a:r>
-              <a:rPr lang="en-GB" sz="1100" dirty="0" smtClean="0"/>
+              <a:rPr lang="en-GB" sz="1100" dirty="0"/>
               <a:t>Hardened Storage</a:t>
             </a:r>
-            <a:endParaRPr lang="pl-PL" sz="1100" dirty="0" smtClean="0"/>
-          </a:p>
-          <a:p>
-            <a:r>
-              <a:rPr lang="pl-PL" sz="1100" dirty="0" smtClean="0"/>
+            <a:endParaRPr lang="pl-PL" sz="1100" dirty="0"/>
+          </a:p>
+          <a:p>
+            <a:r>
+              <a:rPr lang="pl-PL" sz="1100" dirty="0"/>
               <a:t>DPI </a:t>
             </a:r>
             <a:r>
-              <a:rPr lang="en-GB" sz="1100" dirty="0" smtClean="0"/>
+              <a:rPr lang="en-GB" sz="1100" dirty="0"/>
               <a:t>5</a:t>
             </a:r>
             <a:r>
-              <a:rPr lang="pl-PL" sz="1100" dirty="0" smtClean="0"/>
+              <a:rPr lang="pl-PL" sz="1100" dirty="0"/>
               <a:t> </a:t>
             </a:r>
             <a:r>
-              <a:rPr lang="en-GB" sz="1100" dirty="0" smtClean="0"/>
+              <a:rPr lang="en-GB" sz="1100" dirty="0"/>
               <a:t>N35 34.098 E 038 25.899/1207ft</a:t>
             </a:r>
             <a:r>
-              <a:rPr lang="pl-PL" sz="1100" dirty="0" smtClean="0"/>
+              <a:rPr lang="pl-PL" sz="1100" dirty="0"/>
               <a:t>/</a:t>
             </a:r>
             <a:r>
-              <a:rPr lang="nb-NO" sz="1100" dirty="0" smtClean="0"/>
+              <a:rPr lang="nb-NO" sz="1100" dirty="0"/>
               <a:t>(1000 Ibs bomb)</a:t>
             </a:r>
-            <a:endParaRPr lang="pl-PL" sz="1100" dirty="0" smtClean="0"/>
-          </a:p>
-          <a:p>
-            <a:r>
-              <a:rPr lang="pl-PL" sz="1100" dirty="0" smtClean="0"/>
+            <a:endParaRPr lang="pl-PL" sz="1100" dirty="0"/>
+          </a:p>
+          <a:p>
+            <a:r>
+              <a:rPr lang="pl-PL" sz="1100" dirty="0"/>
               <a:t>DPI </a:t>
             </a:r>
             <a:r>
-              <a:rPr lang="en-GB" sz="1100" dirty="0" smtClean="0"/>
+              <a:rPr lang="en-GB" sz="1100" dirty="0"/>
               <a:t>6</a:t>
             </a:r>
             <a:r>
-              <a:rPr lang="pl-PL" sz="1100" dirty="0" smtClean="0"/>
+              <a:rPr lang="pl-PL" sz="1100" dirty="0"/>
               <a:t> </a:t>
             </a:r>
             <a:r>
-              <a:rPr lang="en-GB" sz="1100" dirty="0" smtClean="0"/>
+              <a:rPr lang="en-GB" sz="1100" dirty="0"/>
               <a:t>N35 34.153 E 038 25.779/1198ft</a:t>
             </a:r>
             <a:r>
-              <a:rPr lang="pl-PL" sz="1100" dirty="0" smtClean="0"/>
+              <a:rPr lang="pl-PL" sz="1100" dirty="0"/>
               <a:t>/</a:t>
             </a:r>
             <a:r>
-              <a:rPr lang="nb-NO" sz="1100" dirty="0" smtClean="0"/>
+              <a:rPr lang="nb-NO" sz="1100" dirty="0"/>
               <a:t>(1000 Ibs bomb)</a:t>
             </a:r>
           </a:p>
           <a:p>
             <a:r>
-              <a:rPr lang="nb-NO" sz="1100" dirty="0" smtClean="0"/>
-              <a:t>DPI 7 N35 34.169 E 038 25.782/1191ft/(1000lbs bomb)</a:t>
-            </a:r>
-          </a:p>
-          <a:p>
-            <a:endParaRPr lang="pl-PL" sz="1100" dirty="0" smtClean="0"/>
+              <a:rPr lang="nb-NO" sz="1100" dirty="0"/>
+              <a:t>DPI 7 N35 34.169 E 038 25.782/1191ft</a:t>
+            </a:r>
+            <a:r>
+              <a:rPr lang="nb-NO" sz="1100"/>
+              <a:t>/(1000 lbs</a:t>
+            </a:r>
+            <a:r>
+              <a:rPr lang="nb-NO" sz="1100" dirty="0"/>
+              <a:t> bomb)</a:t>
+            </a:r>
+          </a:p>
+          <a:p>
+            <a:endParaRPr lang="pl-PL" sz="1100" dirty="0"/>
           </a:p>
         </p:txBody>
       </p:sp>
